--- a/Presentación Josep Maria/Presentation Josep Maria.pptx
+++ b/Presentación Josep Maria/Presentation Josep Maria.pptx
@@ -223,7 +223,7 @@
           <a:p>
             <a:fld id="{0F77DD94-BB16-48C9-95C7-378288FC2716}" type="datetimeFigureOut">
               <a:rPr lang="es-ES_tradnl" smtClean="0"/>
-              <a:t>30/11/2016</a:t>
+              <a:t>01/12/2016</a:t>
             </a:fld>
             <a:endParaRPr lang="es-ES_tradnl"/>
           </a:p>
@@ -758,7 +758,7 @@
           <a:p>
             <a:fld id="{230D6329-25E9-47AF-BFA5-79D6387F30BB}" type="datetime1">
               <a:rPr lang="es-ES_tradnl" smtClean="0"/>
-              <a:t>30/11/2016</a:t>
+              <a:t>01/12/2016</a:t>
             </a:fld>
             <a:endParaRPr lang="es-ES_tradnl"/>
           </a:p>
@@ -1037,7 +1037,7 @@
           <a:p>
             <a:fld id="{D8D0FAB9-BA9B-4BBC-A259-F32633160A99}" type="datetime1">
               <a:rPr lang="es-ES_tradnl" smtClean="0"/>
-              <a:t>30/11/2016</a:t>
+              <a:t>01/12/2016</a:t>
             </a:fld>
             <a:endParaRPr lang="es-ES_tradnl"/>
           </a:p>
@@ -1235,7 +1235,7 @@
           <a:p>
             <a:fld id="{84034DDA-4BC6-4CE6-B3A8-8954EB291D2A}" type="datetime1">
               <a:rPr lang="es-ES_tradnl" smtClean="0"/>
-              <a:t>30/11/2016</a:t>
+              <a:t>01/12/2016</a:t>
             </a:fld>
             <a:endParaRPr lang="es-ES_tradnl"/>
           </a:p>
@@ -1507,7 +1507,7 @@
           <a:p>
             <a:fld id="{DDEF3E44-9B6F-4BE4-96A2-5190BF87699F}" type="datetime1">
               <a:rPr lang="es-ES_tradnl" smtClean="0"/>
-              <a:t>30/11/2016</a:t>
+              <a:t>01/12/2016</a:t>
             </a:fld>
             <a:endParaRPr lang="es-ES_tradnl"/>
           </a:p>
@@ -1811,7 +1811,7 @@
           <a:p>
             <a:fld id="{1E184FD1-E6A2-4CAA-A905-54D9E97B2DE6}" type="datetime1">
               <a:rPr lang="es-ES_tradnl" smtClean="0"/>
-              <a:t>30/11/2016</a:t>
+              <a:t>01/12/2016</a:t>
             </a:fld>
             <a:endParaRPr lang="es-ES_tradnl"/>
           </a:p>
@@ -2448,7 +2448,7 @@
           <a:p>
             <a:fld id="{57C9E17D-2AAC-44CB-A17F-52C24EA706F6}" type="datetime1">
               <a:rPr lang="es-ES_tradnl" smtClean="0"/>
-              <a:t>30/11/2016</a:t>
+              <a:t>01/12/2016</a:t>
             </a:fld>
             <a:endParaRPr lang="es-ES_tradnl"/>
           </a:p>
@@ -3299,7 +3299,7 @@
           <a:p>
             <a:fld id="{C462D757-F038-449F-9575-1813EE8FC99C}" type="datetime1">
               <a:rPr lang="es-ES_tradnl" smtClean="0"/>
-              <a:t>30/11/2016</a:t>
+              <a:t>01/12/2016</a:t>
             </a:fld>
             <a:endParaRPr lang="es-ES_tradnl"/>
           </a:p>
@@ -3473,7 +3473,7 @@
           <a:p>
             <a:fld id="{15FE97B6-7CA2-4E04-B64D-0B0FFA2EE6B7}" type="datetime1">
               <a:rPr lang="es-ES_tradnl" smtClean="0"/>
-              <a:t>30/11/2016</a:t>
+              <a:t>01/12/2016</a:t>
             </a:fld>
             <a:endParaRPr lang="es-ES_tradnl"/>
           </a:p>
@@ -3657,7 +3657,7 @@
           <a:p>
             <a:fld id="{ADD62861-17DD-4A02-9782-E989C85BD12F}" type="datetime1">
               <a:rPr lang="es-ES_tradnl" smtClean="0"/>
-              <a:t>30/11/2016</a:t>
+              <a:t>01/12/2016</a:t>
             </a:fld>
             <a:endParaRPr lang="es-ES_tradnl"/>
           </a:p>
@@ -3831,7 +3831,7 @@
           <a:p>
             <a:fld id="{9930DE88-2B74-4092-9DF7-6E47B12E30D8}" type="datetime1">
               <a:rPr lang="es-ES_tradnl" smtClean="0"/>
-              <a:t>30/11/2016</a:t>
+              <a:t>01/12/2016</a:t>
             </a:fld>
             <a:endParaRPr lang="es-ES_tradnl"/>
           </a:p>
@@ -4117,7 +4117,7 @@
           <a:p>
             <a:fld id="{28546310-02E7-4543-88D6-3641F740C5A6}" type="datetime1">
               <a:rPr lang="es-ES_tradnl" smtClean="0"/>
-              <a:t>30/11/2016</a:t>
+              <a:t>01/12/2016</a:t>
             </a:fld>
             <a:endParaRPr lang="es-ES_tradnl" dirty="0"/>
           </a:p>
@@ -4417,7 +4417,7 @@
           <a:p>
             <a:fld id="{37A3437D-E3B7-43F7-9A35-86ED759C85EC}" type="datetime1">
               <a:rPr lang="es-ES_tradnl" smtClean="0"/>
-              <a:t>30/11/2016</a:t>
+              <a:t>01/12/2016</a:t>
             </a:fld>
             <a:endParaRPr lang="es-ES_tradnl"/>
           </a:p>
@@ -4864,7 +4864,7 @@
           <a:p>
             <a:fld id="{CBF5EA22-280F-4794-892F-3D2F0961AC91}" type="datetime1">
               <a:rPr lang="es-ES_tradnl" smtClean="0"/>
-              <a:t>30/11/2016</a:t>
+              <a:t>01/12/2016</a:t>
             </a:fld>
             <a:endParaRPr lang="es-ES_tradnl"/>
           </a:p>
@@ -4991,7 +4991,7 @@
           <a:p>
             <a:fld id="{65D702F2-C4D3-4D0C-B710-60742282A9DC}" type="datetime1">
               <a:rPr lang="es-ES_tradnl" smtClean="0"/>
-              <a:t>30/11/2016</a:t>
+              <a:t>01/12/2016</a:t>
             </a:fld>
             <a:endParaRPr lang="es-ES_tradnl"/>
           </a:p>
@@ -5090,7 +5090,7 @@
           <a:p>
             <a:fld id="{7E2670A0-930A-4325-87FF-6AD9A7CAA589}" type="datetime1">
               <a:rPr lang="es-ES_tradnl" smtClean="0"/>
-              <a:t>30/11/2016</a:t>
+              <a:t>01/12/2016</a:t>
             </a:fld>
             <a:endParaRPr lang="es-ES_tradnl"/>
           </a:p>
@@ -5373,7 +5373,7 @@
           <a:p>
             <a:fld id="{07B5E1F0-E059-4D6C-8ACC-9EC088CF1C1E}" type="datetime1">
               <a:rPr lang="es-ES_tradnl" smtClean="0"/>
-              <a:t>30/11/2016</a:t>
+              <a:t>01/12/2016</a:t>
             </a:fld>
             <a:endParaRPr lang="es-ES_tradnl"/>
           </a:p>
@@ -5657,7 +5657,7 @@
           <a:p>
             <a:fld id="{296C6A57-FF87-4678-93E3-395B1B2628E4}" type="datetime1">
               <a:rPr lang="es-ES_tradnl" smtClean="0"/>
-              <a:t>30/11/2016</a:t>
+              <a:t>01/12/2016</a:t>
             </a:fld>
             <a:endParaRPr lang="es-ES_tradnl"/>
           </a:p>
@@ -6090,7 +6090,7 @@
           <a:p>
             <a:fld id="{D536963B-5D06-4F52-B1FD-5D71635861E5}" type="datetime1">
               <a:rPr lang="es-ES_tradnl" smtClean="0"/>
-              <a:t>30/11/2016</a:t>
+              <a:t>01/12/2016</a:t>
             </a:fld>
             <a:endParaRPr lang="es-ES_tradnl"/>
           </a:p>
@@ -6902,7 +6902,7 @@
           <a:p>
             <a:fld id="{9930DE88-2B74-4092-9DF7-6E47B12E30D8}" type="datetime1">
               <a:rPr lang="es-ES_tradnl" smtClean="0"/>
-              <a:t>30/11/2016</a:t>
+              <a:t>01/12/2016</a:t>
             </a:fld>
             <a:endParaRPr lang="es-ES_tradnl"/>
           </a:p>
@@ -7594,7 +7594,7 @@
           <a:p>
             <a:fld id="{9930DE88-2B74-4092-9DF7-6E47B12E30D8}" type="datetime1">
               <a:rPr lang="es-ES_tradnl" smtClean="0"/>
-              <a:t>30/11/2016</a:t>
+              <a:t>01/12/2016</a:t>
             </a:fld>
             <a:endParaRPr lang="es-ES_tradnl"/>
           </a:p>
@@ -7789,7 +7789,7 @@
           <a:p>
             <a:fld id="{9930DE88-2B74-4092-9DF7-6E47B12E30D8}" type="datetime1">
               <a:rPr lang="es-ES_tradnl" smtClean="0"/>
-              <a:t>30/11/2016</a:t>
+              <a:t>01/12/2016</a:t>
             </a:fld>
             <a:endParaRPr lang="es-ES_tradnl"/>
           </a:p>
@@ -8721,7 +8721,7 @@
             </a:r>
             <a:r>
               <a:rPr lang="es-ES" dirty="0" err="1" smtClean="0"/>
-              <a:t>yearly</a:t>
+              <a:t>annual</a:t>
             </a:r>
             <a:r>
               <a:rPr lang="es-ES" dirty="0" smtClean="0"/>
@@ -8965,7 +8965,7 @@
           <a:p>
             <a:fld id="{9930DE88-2B74-4092-9DF7-6E47B12E30D8}" type="datetime1">
               <a:rPr lang="es-ES_tradnl" smtClean="0"/>
-              <a:t>30/11/2016</a:t>
+              <a:t>01/12/2016</a:t>
             </a:fld>
             <a:endParaRPr lang="es-ES_tradnl"/>
           </a:p>
@@ -9585,7 +9585,7 @@
             </a:r>
             <a:r>
               <a:rPr lang="es-ES" dirty="0" err="1" smtClean="0"/>
-              <a:t>yearly</a:t>
+              <a:t>annual</a:t>
             </a:r>
             <a:r>
               <a:rPr lang="es-ES" dirty="0" smtClean="0"/>
@@ -9597,7 +9597,11 @@
             </a:r>
             <a:r>
               <a:rPr lang="es-ES" dirty="0" smtClean="0"/>
-              <a:t> of </a:t>
+              <a:t> </a:t>
+            </a:r>
+            <a:r>
+              <a:rPr lang="es-ES" dirty="0" smtClean="0"/>
+              <a:t>of </a:t>
             </a:r>
             <a:r>
               <a:rPr lang="es-ES" dirty="0" err="1" smtClean="0"/>
@@ -9846,7 +9850,7 @@
             </a:r>
             <a:r>
               <a:rPr lang="es-ES" dirty="0" err="1" smtClean="0"/>
-              <a:t>yearly</a:t>
+              <a:t>annual</a:t>
             </a:r>
             <a:r>
               <a:rPr lang="es-ES" dirty="0" smtClean="0"/>
@@ -9858,7 +9862,11 @@
             </a:r>
             <a:r>
               <a:rPr lang="es-ES" dirty="0" smtClean="0"/>
-              <a:t> of </a:t>
+              <a:t> </a:t>
+            </a:r>
+            <a:r>
+              <a:rPr lang="es-ES" dirty="0" smtClean="0"/>
+              <a:t>of </a:t>
             </a:r>
             <a:r>
               <a:rPr lang="es-ES" dirty="0" err="1" smtClean="0"/>
@@ -10086,18 +10094,80 @@
               <a:rPr lang="es-ES" dirty="0" err="1" smtClean="0"/>
               <a:t>Islands</a:t>
             </a:r>
-            <a:endParaRPr lang="es-ES" dirty="0" smtClean="0"/>
-          </a:p>
-          <a:p>
-            <a:r>
-              <a:rPr lang="es-ES" dirty="0" smtClean="0"/>
-              <a:t>A</a:t>
-            </a:r>
-          </a:p>
-          <a:p>
+            <a:endParaRPr lang="es-ES" dirty="0"/>
+          </a:p>
+          <a:p>
+            <a:pPr lvl="1"/>
+            <a:r>
+              <a:rPr lang="es-ES" dirty="0" err="1" smtClean="0"/>
+              <a:t>Annual</a:t>
+            </a:r>
+            <a:r>
+              <a:rPr lang="es-ES" dirty="0" smtClean="0"/>
+              <a:t> </a:t>
+            </a:r>
+            <a:r>
+              <a:rPr lang="es-ES" dirty="0" err="1" smtClean="0"/>
+              <a:t>c</a:t>
+            </a:r>
+            <a:r>
+              <a:rPr lang="es-ES" dirty="0" err="1" smtClean="0"/>
+              <a:t>ost</a:t>
+            </a:r>
+            <a:r>
+              <a:rPr lang="es-ES" dirty="0" smtClean="0"/>
+              <a:t> of </a:t>
+            </a:r>
+            <a:r>
+              <a:rPr lang="es-ES" dirty="0" err="1" smtClean="0"/>
+              <a:t>all</a:t>
+            </a:r>
+            <a:r>
+              <a:rPr lang="es-ES" dirty="0" smtClean="0"/>
+              <a:t> </a:t>
+            </a:r>
+            <a:r>
+              <a:rPr lang="es-ES" dirty="0" err="1" smtClean="0"/>
+              <a:t>Ground</a:t>
+            </a:r>
             <a:r>
               <a:rPr lang="es-ES" dirty="0"/>
-              <a:t>A</a:t>
+              <a:t> Stations:840,000 </a:t>
+            </a:r>
+            <a:r>
+              <a:rPr lang="es-ES" dirty="0" smtClean="0"/>
+              <a:t>€</a:t>
+            </a:r>
+          </a:p>
+          <a:p>
+            <a:pPr lvl="1"/>
+            <a:r>
+              <a:rPr lang="es-ES" dirty="0" err="1" smtClean="0"/>
+              <a:t>Annual</a:t>
+            </a:r>
+            <a:r>
+              <a:rPr lang="es-ES" smtClean="0"/>
+              <a:t> cost</a:t>
+            </a:r>
+            <a:r>
+              <a:rPr lang="es-ES" dirty="0" smtClean="0"/>
+              <a:t> of </a:t>
+            </a:r>
+            <a:r>
+              <a:rPr lang="es-ES" dirty="0" err="1" smtClean="0"/>
+              <a:t>the</a:t>
+            </a:r>
+            <a:r>
+              <a:rPr lang="es-ES" dirty="0" smtClean="0"/>
+              <a:t> </a:t>
+            </a:r>
+            <a:r>
+              <a:rPr lang="es-ES" dirty="0" err="1" smtClean="0"/>
+              <a:t>Mission</a:t>
+            </a:r>
+            <a:r>
+              <a:rPr lang="es-ES" dirty="0" smtClean="0"/>
+              <a:t> Control Centre: 400,000 €</a:t>
             </a:r>
             <a:endParaRPr lang="es-ES" dirty="0" smtClean="0"/>
           </a:p>
@@ -10171,19 +10241,7 @@
           <a:p>
             <a:r>
               <a:rPr lang="es-ES_tradnl" sz="1400" dirty="0" smtClean="0"/>
-              <a:t>16</a:t>
-            </a:r>
-            <a:r>
-              <a:rPr lang="es-ES_tradnl" sz="1400" dirty="0" smtClean="0"/>
-              <a:t> </a:t>
-            </a:r>
-            <a:r>
-              <a:rPr lang="es-ES_tradnl" sz="1400" dirty="0" smtClean="0"/>
-              <a:t>of </a:t>
-            </a:r>
-            <a:r>
-              <a:rPr lang="es-ES_tradnl" sz="1400" dirty="0" smtClean="0"/>
-              <a:t>16</a:t>
+              <a:t>16 of 16</a:t>
             </a:r>
             <a:endParaRPr lang="es-ES_tradnl" sz="1400" dirty="0"/>
           </a:p>
@@ -10403,7 +10461,7 @@
           <a:p>
             <a:fld id="{9930DE88-2B74-4092-9DF7-6E47B12E30D8}" type="datetime1">
               <a:rPr lang="es-ES_tradnl" smtClean="0"/>
-              <a:t>30/11/2016</a:t>
+              <a:t>01/12/2016</a:t>
             </a:fld>
             <a:endParaRPr lang="es-ES_tradnl"/>
           </a:p>
@@ -10454,11 +10512,7 @@
             </a:fld>
             <a:r>
               <a:rPr lang="es-ES_tradnl" dirty="0" smtClean="0"/>
-              <a:t> of </a:t>
-            </a:r>
-            <a:r>
-              <a:rPr lang="es-ES_tradnl" dirty="0" smtClean="0"/>
-              <a:t>16</a:t>
+              <a:t> of 16</a:t>
             </a:r>
             <a:endParaRPr lang="es-ES_tradnl" dirty="0"/>
           </a:p>
@@ -10712,7 +10766,7 @@
           <a:p>
             <a:fld id="{9930DE88-2B74-4092-9DF7-6E47B12E30D8}" type="datetime1">
               <a:rPr lang="es-ES_tradnl" smtClean="0"/>
-              <a:t>30/11/2016</a:t>
+              <a:t>01/12/2016</a:t>
             </a:fld>
             <a:endParaRPr lang="es-ES_tradnl"/>
           </a:p>
@@ -10763,11 +10817,7 @@
             </a:fld>
             <a:r>
               <a:rPr lang="es-ES_tradnl" dirty="0" smtClean="0"/>
-              <a:t> of </a:t>
-            </a:r>
-            <a:r>
-              <a:rPr lang="es-ES_tradnl" dirty="0" smtClean="0"/>
-              <a:t>16</a:t>
+              <a:t> of 16</a:t>
             </a:r>
             <a:endParaRPr lang="es-ES_tradnl" dirty="0"/>
           </a:p>
@@ -11063,7 +11113,23 @@
                   <a:schemeClr val="bg1"/>
                 </a:solidFill>
               </a:rPr>
-              <a:t>to a client ground station with </a:t>
+              <a:t>to </a:t>
+            </a:r>
+            <a:r>
+              <a:rPr lang="en-US" sz="2800" dirty="0" smtClean="0">
+                <a:solidFill>
+                  <a:schemeClr val="bg1"/>
+                </a:solidFill>
+              </a:rPr>
+              <a:t>a </a:t>
+            </a:r>
+            <a:r>
+              <a:rPr lang="en-US" sz="2800" dirty="0">
+                <a:solidFill>
+                  <a:schemeClr val="bg1"/>
+                </a:solidFill>
+              </a:rPr>
+              <a:t>ground station with </a:t>
             </a:r>
             <a:r>
               <a:rPr lang="en-US" sz="2800" dirty="0" smtClean="0">
@@ -11208,11 +11274,7 @@
           <a:p>
             <a:r>
               <a:rPr lang="es-ES" dirty="0" err="1" smtClean="0"/>
-              <a:t>Satellite</a:t>
-            </a:r>
-            <a:r>
-              <a:rPr lang="es-ES" dirty="0" err="1" smtClean="0"/>
-              <a:t>s</a:t>
+              <a:t>Satellites</a:t>
             </a:r>
             <a:r>
               <a:rPr lang="es-ES" dirty="0" smtClean="0"/>
@@ -11302,7 +11364,7 @@
           <a:p>
             <a:fld id="{9930DE88-2B74-4092-9DF7-6E47B12E30D8}" type="datetime1">
               <a:rPr lang="es-ES_tradnl" smtClean="0"/>
-              <a:t>30/11/2016</a:t>
+              <a:t>01/12/2016</a:t>
             </a:fld>
             <a:endParaRPr lang="es-ES_tradnl"/>
           </a:p>
@@ -11353,11 +11415,7 @@
             </a:fld>
             <a:r>
               <a:rPr lang="es-ES_tradnl" dirty="0" smtClean="0"/>
-              <a:t> of </a:t>
-            </a:r>
-            <a:r>
-              <a:rPr lang="es-ES_tradnl" dirty="0" smtClean="0"/>
-              <a:t>16</a:t>
+              <a:t> of 16</a:t>
             </a:r>
             <a:endParaRPr lang="es-ES_tradnl" dirty="0"/>
           </a:p>
@@ -11805,11 +11863,7 @@
             </a:r>
             <a:r>
               <a:rPr lang="es-ES" dirty="0" smtClean="0"/>
-              <a:t>≈</a:t>
-            </a:r>
-            <a:r>
-              <a:rPr lang="es-ES" dirty="0" smtClean="0"/>
-              <a:t> 45 s</a:t>
+              <a:t>≈ 45 s</a:t>
             </a:r>
           </a:p>
           <a:p>
@@ -11865,11 +11919,7 @@
             </a:r>
             <a:r>
               <a:rPr lang="es-ES" dirty="0" smtClean="0"/>
-              <a:t>≈</a:t>
-            </a:r>
-            <a:r>
-              <a:rPr lang="es-ES" dirty="0" smtClean="0"/>
-              <a:t> 165 s</a:t>
+              <a:t>≈ 165 s</a:t>
             </a:r>
             <a:endParaRPr lang="es-ES" dirty="0"/>
           </a:p>
@@ -11892,7 +11942,7 @@
           <a:p>
             <a:fld id="{9930DE88-2B74-4092-9DF7-6E47B12E30D8}" type="datetime1">
               <a:rPr lang="es-ES_tradnl" smtClean="0"/>
-              <a:t>30/11/2016</a:t>
+              <a:t>01/12/2016</a:t>
             </a:fld>
             <a:endParaRPr lang="es-ES_tradnl"/>
           </a:p>
@@ -11943,11 +11993,7 @@
             </a:fld>
             <a:r>
               <a:rPr lang="es-ES_tradnl" dirty="0" smtClean="0"/>
-              <a:t> of </a:t>
-            </a:r>
-            <a:r>
-              <a:rPr lang="es-ES_tradnl" dirty="0" smtClean="0"/>
-              <a:t>16</a:t>
+              <a:t> of 16</a:t>
             </a:r>
             <a:endParaRPr lang="es-ES_tradnl" dirty="0"/>
           </a:p>
@@ -12692,7 +12738,7 @@
           <a:p>
             <a:fld id="{9930DE88-2B74-4092-9DF7-6E47B12E30D8}" type="datetime1">
               <a:rPr lang="es-ES_tradnl" smtClean="0"/>
-              <a:t>30/11/2016</a:t>
+              <a:t>01/12/2016</a:t>
             </a:fld>
             <a:endParaRPr lang="es-ES_tradnl"/>
           </a:p>
@@ -12743,11 +12789,7 @@
             </a:fld>
             <a:r>
               <a:rPr lang="es-ES_tradnl" dirty="0" smtClean="0"/>
-              <a:t> of </a:t>
-            </a:r>
-            <a:r>
-              <a:rPr lang="es-ES_tradnl" dirty="0" smtClean="0"/>
-              <a:t>16</a:t>
+              <a:t> of 16</a:t>
             </a:r>
             <a:endParaRPr lang="es-ES_tradnl" dirty="0"/>
           </a:p>
@@ -13046,298 +13088,375 @@
         <p:spPr>
           <a:xfrm>
             <a:off x="1089458" y="1803536"/>
-            <a:ext cx="8946541" cy="4431009"/>
+            <a:ext cx="8946541" cy="4749664"/>
           </a:xfrm>
         </p:spPr>
         <p:txBody>
+          <a:bodyPr>
+            <a:normAutofit/>
+          </a:bodyPr>
+          <a:lstStyle/>
+          <a:p>
+            <a:r>
+              <a:rPr lang="es-ES" dirty="0" err="1" smtClean="0"/>
+              <a:t>Mission</a:t>
+            </a:r>
+            <a:r>
+              <a:rPr lang="es-ES" dirty="0" smtClean="0"/>
+              <a:t> Control Centre</a:t>
+            </a:r>
+          </a:p>
+          <a:p>
+            <a:pPr lvl="1"/>
+            <a:r>
+              <a:rPr lang="es-ES" dirty="0" err="1" smtClean="0"/>
+              <a:t>Only</a:t>
+            </a:r>
+            <a:r>
+              <a:rPr lang="es-ES" dirty="0" smtClean="0"/>
+              <a:t> </a:t>
+            </a:r>
+            <a:r>
+              <a:rPr lang="es-ES" dirty="0" err="1" smtClean="0"/>
+              <a:t>one</a:t>
+            </a:r>
+            <a:endParaRPr lang="es-ES" dirty="0" smtClean="0"/>
+          </a:p>
+          <a:p>
+            <a:pPr lvl="1"/>
+            <a:r>
+              <a:rPr lang="es-ES" dirty="0" err="1" smtClean="0"/>
+              <a:t>Located</a:t>
+            </a:r>
+            <a:r>
+              <a:rPr lang="es-ES" dirty="0" smtClean="0"/>
+              <a:t> in Terrassa</a:t>
+            </a:r>
+          </a:p>
+          <a:p>
+            <a:pPr lvl="1"/>
+            <a:r>
+              <a:rPr lang="es-ES" dirty="0" err="1" smtClean="0"/>
+              <a:t>Handles</a:t>
+            </a:r>
+            <a:r>
+              <a:rPr lang="es-ES" dirty="0" smtClean="0"/>
+              <a:t> </a:t>
+            </a:r>
+            <a:r>
+              <a:rPr lang="es-ES" dirty="0" err="1" smtClean="0"/>
+              <a:t>all</a:t>
+            </a:r>
+            <a:r>
+              <a:rPr lang="es-ES" dirty="0" smtClean="0"/>
+              <a:t> </a:t>
+            </a:r>
+            <a:r>
+              <a:rPr lang="es-ES" dirty="0" err="1" smtClean="0"/>
+              <a:t>the</a:t>
+            </a:r>
+            <a:r>
+              <a:rPr lang="es-ES" dirty="0" smtClean="0"/>
+              <a:t> data</a:t>
+            </a:r>
+          </a:p>
+          <a:p>
+            <a:pPr lvl="1"/>
+            <a:r>
+              <a:rPr lang="es-ES" dirty="0" err="1" smtClean="0"/>
+              <a:t>Checks</a:t>
+            </a:r>
+            <a:r>
+              <a:rPr lang="es-ES" dirty="0" smtClean="0"/>
+              <a:t> </a:t>
+            </a:r>
+            <a:r>
+              <a:rPr lang="es-ES" dirty="0" err="1" smtClean="0"/>
+              <a:t>the</a:t>
+            </a:r>
+            <a:r>
+              <a:rPr lang="es-ES" dirty="0" smtClean="0"/>
+              <a:t> </a:t>
+            </a:r>
+            <a:r>
+              <a:rPr lang="es-ES" dirty="0" err="1" smtClean="0"/>
+              <a:t>constellation</a:t>
+            </a:r>
+            <a:r>
+              <a:rPr lang="es-ES" dirty="0" smtClean="0"/>
+              <a:t> status</a:t>
+            </a:r>
+          </a:p>
+          <a:p>
+            <a:pPr lvl="1"/>
+            <a:r>
+              <a:rPr lang="es-ES" dirty="0" err="1" smtClean="0"/>
+              <a:t>Gives</a:t>
+            </a:r>
+            <a:r>
+              <a:rPr lang="es-ES" dirty="0" smtClean="0"/>
+              <a:t> </a:t>
+            </a:r>
+            <a:r>
+              <a:rPr lang="es-ES" dirty="0" err="1" smtClean="0"/>
+              <a:t>instructions</a:t>
+            </a:r>
+            <a:r>
+              <a:rPr lang="es-ES" dirty="0" smtClean="0"/>
+              <a:t> </a:t>
+            </a:r>
+            <a:r>
+              <a:rPr lang="es-ES" dirty="0" err="1" smtClean="0"/>
+              <a:t>to</a:t>
+            </a:r>
+            <a:r>
+              <a:rPr lang="es-ES" dirty="0" smtClean="0"/>
+              <a:t> </a:t>
+            </a:r>
+            <a:r>
+              <a:rPr lang="es-ES" dirty="0" err="1" smtClean="0"/>
+              <a:t>the</a:t>
+            </a:r>
+            <a:r>
+              <a:rPr lang="es-ES" dirty="0" smtClean="0"/>
+              <a:t> </a:t>
+            </a:r>
+            <a:r>
+              <a:rPr lang="es-ES" dirty="0" err="1" smtClean="0"/>
+              <a:t>satellites</a:t>
+            </a:r>
+            <a:r>
+              <a:rPr lang="es-ES" dirty="0" smtClean="0"/>
+              <a:t> in case of </a:t>
+            </a:r>
+            <a:r>
+              <a:rPr lang="es-ES" dirty="0" err="1" smtClean="0"/>
+              <a:t>need</a:t>
+            </a:r>
+            <a:endParaRPr lang="es-ES" dirty="0" smtClean="0"/>
+          </a:p>
+          <a:p>
+            <a:r>
+              <a:rPr lang="es-ES" dirty="0" err="1" smtClean="0"/>
+              <a:t>Ground</a:t>
+            </a:r>
+            <a:r>
+              <a:rPr lang="es-ES" dirty="0" smtClean="0"/>
+              <a:t> </a:t>
+            </a:r>
+            <a:r>
+              <a:rPr lang="es-ES" dirty="0" err="1" smtClean="0"/>
+              <a:t>Station</a:t>
+            </a:r>
+            <a:endParaRPr lang="es-ES" dirty="0" smtClean="0"/>
+          </a:p>
+          <a:p>
+            <a:pPr lvl="1"/>
+            <a:r>
+              <a:rPr lang="es-ES" dirty="0" smtClean="0"/>
+              <a:t>More </a:t>
+            </a:r>
+            <a:r>
+              <a:rPr lang="es-ES" dirty="0" err="1" smtClean="0"/>
+              <a:t>than</a:t>
+            </a:r>
+            <a:r>
+              <a:rPr lang="es-ES" dirty="0" smtClean="0"/>
+              <a:t> </a:t>
+            </a:r>
+            <a:r>
+              <a:rPr lang="es-ES" dirty="0" err="1" smtClean="0"/>
+              <a:t>one</a:t>
+            </a:r>
+            <a:endParaRPr lang="es-ES" dirty="0" smtClean="0"/>
+          </a:p>
+          <a:p>
+            <a:pPr lvl="1"/>
+            <a:r>
+              <a:rPr lang="es-ES" dirty="0" err="1" smtClean="0"/>
+              <a:t>Located</a:t>
+            </a:r>
+            <a:r>
+              <a:rPr lang="es-ES" dirty="0" smtClean="0"/>
+              <a:t> </a:t>
+            </a:r>
+            <a:r>
+              <a:rPr lang="es-ES" dirty="0" err="1" smtClean="0"/>
+              <a:t>across</a:t>
+            </a:r>
+            <a:r>
+              <a:rPr lang="es-ES" dirty="0" smtClean="0"/>
+              <a:t> </a:t>
+            </a:r>
+            <a:r>
+              <a:rPr lang="es-ES" dirty="0" err="1" smtClean="0"/>
+              <a:t>the</a:t>
+            </a:r>
+            <a:r>
+              <a:rPr lang="es-ES" dirty="0" smtClean="0"/>
+              <a:t> </a:t>
+            </a:r>
+            <a:r>
+              <a:rPr lang="es-ES" dirty="0" err="1" smtClean="0"/>
+              <a:t>globe</a:t>
+            </a:r>
+            <a:endParaRPr lang="es-ES" dirty="0" smtClean="0"/>
+          </a:p>
+          <a:p>
+            <a:pPr lvl="1"/>
+            <a:r>
+              <a:rPr lang="es-ES" dirty="0" err="1" smtClean="0"/>
+              <a:t>Recieves</a:t>
+            </a:r>
+            <a:r>
+              <a:rPr lang="es-ES" dirty="0" smtClean="0"/>
+              <a:t> TT&amp;C and HK data and </a:t>
+            </a:r>
+            <a:r>
+              <a:rPr lang="es-ES" dirty="0" err="1" smtClean="0"/>
+              <a:t>sends</a:t>
+            </a:r>
+            <a:r>
+              <a:rPr lang="es-ES" dirty="0" smtClean="0"/>
+              <a:t> </a:t>
+            </a:r>
+            <a:r>
+              <a:rPr lang="es-ES" dirty="0" err="1" smtClean="0"/>
+              <a:t>it</a:t>
+            </a:r>
+            <a:r>
+              <a:rPr lang="es-ES" dirty="0" smtClean="0"/>
+              <a:t> </a:t>
+            </a:r>
+            <a:r>
+              <a:rPr lang="es-ES" dirty="0" err="1" smtClean="0"/>
+              <a:t>to</a:t>
+            </a:r>
+            <a:r>
+              <a:rPr lang="es-ES" dirty="0" smtClean="0"/>
+              <a:t> </a:t>
+            </a:r>
+            <a:r>
+              <a:rPr lang="es-ES" dirty="0" err="1" smtClean="0"/>
+              <a:t>the</a:t>
+            </a:r>
+            <a:r>
+              <a:rPr lang="es-ES" dirty="0" smtClean="0"/>
+              <a:t> </a:t>
+            </a:r>
+            <a:r>
+              <a:rPr lang="es-ES" dirty="0" err="1" smtClean="0"/>
+              <a:t>Mission</a:t>
+            </a:r>
+            <a:r>
+              <a:rPr lang="es-ES" dirty="0" smtClean="0"/>
+              <a:t> Control </a:t>
+            </a:r>
+            <a:r>
+              <a:rPr lang="es-ES" dirty="0" smtClean="0"/>
+              <a:t>Centre</a:t>
+            </a:r>
+          </a:p>
+          <a:p>
+            <a:pPr lvl="1"/>
+            <a:r>
+              <a:rPr lang="es-ES" dirty="0" err="1" smtClean="0"/>
+              <a:t>Recieves</a:t>
+            </a:r>
+            <a:r>
+              <a:rPr lang="es-ES" dirty="0" smtClean="0"/>
+              <a:t> data </a:t>
+            </a:r>
+            <a:r>
+              <a:rPr lang="es-ES" dirty="0" err="1" smtClean="0"/>
+              <a:t>from</a:t>
+            </a:r>
+            <a:r>
+              <a:rPr lang="es-ES" dirty="0" smtClean="0"/>
+              <a:t> </a:t>
+            </a:r>
+            <a:r>
+              <a:rPr lang="es-ES" dirty="0" err="1" smtClean="0"/>
+              <a:t>the</a:t>
+            </a:r>
+            <a:r>
+              <a:rPr lang="es-ES" dirty="0" smtClean="0"/>
+              <a:t> </a:t>
+            </a:r>
+            <a:r>
+              <a:rPr lang="es-ES" dirty="0" err="1" smtClean="0"/>
+              <a:t>client</a:t>
+            </a:r>
+            <a:r>
+              <a:rPr lang="es-ES" dirty="0" smtClean="0"/>
+              <a:t> </a:t>
+            </a:r>
+            <a:r>
+              <a:rPr lang="es-ES" dirty="0" err="1" smtClean="0"/>
+              <a:t>satellite</a:t>
+            </a:r>
+            <a:r>
+              <a:rPr lang="es-ES" dirty="0" smtClean="0"/>
+              <a:t> and </a:t>
+            </a:r>
+            <a:r>
+              <a:rPr lang="es-ES" dirty="0" err="1" smtClean="0"/>
+              <a:t>sends</a:t>
+            </a:r>
+            <a:r>
+              <a:rPr lang="es-ES" dirty="0" smtClean="0"/>
+              <a:t> </a:t>
+            </a:r>
+            <a:r>
+              <a:rPr lang="es-ES" dirty="0" err="1" smtClean="0"/>
+              <a:t>it</a:t>
+            </a:r>
+            <a:r>
+              <a:rPr lang="es-ES" dirty="0" smtClean="0"/>
+              <a:t> </a:t>
+            </a:r>
+            <a:r>
+              <a:rPr lang="es-ES" dirty="0" err="1" smtClean="0"/>
+              <a:t>to</a:t>
+            </a:r>
+            <a:r>
+              <a:rPr lang="es-ES" dirty="0" smtClean="0"/>
+              <a:t> </a:t>
+            </a:r>
+            <a:r>
+              <a:rPr lang="es-ES" dirty="0" err="1" smtClean="0"/>
+              <a:t>the</a:t>
+            </a:r>
+            <a:r>
+              <a:rPr lang="es-ES" dirty="0" smtClean="0"/>
+              <a:t> </a:t>
+            </a:r>
+            <a:r>
+              <a:rPr lang="es-ES" dirty="0" err="1" smtClean="0"/>
+              <a:t>client</a:t>
+            </a:r>
+            <a:endParaRPr lang="es-ES" dirty="0"/>
+          </a:p>
+        </p:txBody>
+      </p:sp>
+      <p:sp>
+        <p:nvSpPr>
+          <p:cNvPr id="4" name="3 Marcador de fecha"/>
+          <p:cNvSpPr>
+            <a:spLocks noGrp="1"/>
+          </p:cNvSpPr>
+          <p:nvPr>
+            <p:ph type="dt" sz="half" idx="10"/>
+          </p:nvPr>
+        </p:nvSpPr>
+        <p:spPr/>
+        <p:txBody>
           <a:bodyPr/>
           <a:lstStyle/>
           <a:p>
-            <a:r>
-              <a:rPr lang="es-ES" dirty="0" err="1" smtClean="0"/>
-              <a:t>Mission</a:t>
-            </a:r>
-            <a:r>
-              <a:rPr lang="es-ES" dirty="0" smtClean="0"/>
-              <a:t> Control Centre</a:t>
-            </a:r>
-          </a:p>
-          <a:p>
-            <a:pPr lvl="1"/>
-            <a:r>
-              <a:rPr lang="es-ES" dirty="0" err="1" smtClean="0"/>
-              <a:t>Only</a:t>
-            </a:r>
-            <a:r>
-              <a:rPr lang="es-ES" dirty="0" smtClean="0"/>
-              <a:t> </a:t>
-            </a:r>
-            <a:r>
-              <a:rPr lang="es-ES" dirty="0" err="1" smtClean="0"/>
-              <a:t>one</a:t>
-            </a:r>
-            <a:endParaRPr lang="es-ES" dirty="0" smtClean="0"/>
-          </a:p>
-          <a:p>
-            <a:pPr lvl="1"/>
-            <a:r>
-              <a:rPr lang="es-ES" dirty="0" err="1" smtClean="0"/>
-              <a:t>Located</a:t>
-            </a:r>
-            <a:r>
-              <a:rPr lang="es-ES" dirty="0" smtClean="0"/>
-              <a:t> in Terrassa</a:t>
-            </a:r>
-          </a:p>
-          <a:p>
-            <a:pPr lvl="1"/>
-            <a:r>
-              <a:rPr lang="es-ES" dirty="0" err="1" smtClean="0"/>
-              <a:t>Handles</a:t>
-            </a:r>
-            <a:r>
-              <a:rPr lang="es-ES" dirty="0" smtClean="0"/>
-              <a:t> </a:t>
-            </a:r>
-            <a:r>
-              <a:rPr lang="es-ES" dirty="0" err="1" smtClean="0"/>
-              <a:t>all</a:t>
-            </a:r>
-            <a:r>
-              <a:rPr lang="es-ES" dirty="0" smtClean="0"/>
-              <a:t> </a:t>
-            </a:r>
-            <a:r>
-              <a:rPr lang="es-ES" dirty="0" err="1" smtClean="0"/>
-              <a:t>the</a:t>
-            </a:r>
-            <a:r>
-              <a:rPr lang="es-ES" dirty="0" smtClean="0"/>
-              <a:t> data</a:t>
-            </a:r>
-          </a:p>
-          <a:p>
-            <a:pPr lvl="1"/>
-            <a:r>
-              <a:rPr lang="es-ES" dirty="0" err="1" smtClean="0"/>
-              <a:t>Checks</a:t>
-            </a:r>
-            <a:r>
-              <a:rPr lang="es-ES" dirty="0" smtClean="0"/>
-              <a:t> </a:t>
-            </a:r>
-            <a:r>
-              <a:rPr lang="es-ES" dirty="0" err="1" smtClean="0"/>
-              <a:t>the</a:t>
-            </a:r>
-            <a:r>
-              <a:rPr lang="es-ES" dirty="0" smtClean="0"/>
-              <a:t> </a:t>
-            </a:r>
-            <a:r>
-              <a:rPr lang="es-ES" dirty="0" err="1" smtClean="0"/>
-              <a:t>constellation</a:t>
-            </a:r>
-            <a:r>
-              <a:rPr lang="es-ES" dirty="0" smtClean="0"/>
-              <a:t> status</a:t>
-            </a:r>
-          </a:p>
-          <a:p>
-            <a:pPr lvl="1"/>
-            <a:r>
-              <a:rPr lang="es-ES" dirty="0" err="1" smtClean="0"/>
-              <a:t>Gives</a:t>
-            </a:r>
-            <a:r>
-              <a:rPr lang="es-ES" dirty="0" smtClean="0"/>
-              <a:t> </a:t>
-            </a:r>
-            <a:r>
-              <a:rPr lang="es-ES" dirty="0" err="1" smtClean="0"/>
-              <a:t>instructions</a:t>
-            </a:r>
-            <a:r>
-              <a:rPr lang="es-ES" dirty="0" smtClean="0"/>
-              <a:t> </a:t>
-            </a:r>
-            <a:r>
-              <a:rPr lang="es-ES" dirty="0" err="1" smtClean="0"/>
-              <a:t>to</a:t>
-            </a:r>
-            <a:r>
-              <a:rPr lang="es-ES" dirty="0" smtClean="0"/>
-              <a:t> </a:t>
-            </a:r>
-            <a:r>
-              <a:rPr lang="es-ES" dirty="0" err="1" smtClean="0"/>
-              <a:t>the</a:t>
-            </a:r>
-            <a:r>
-              <a:rPr lang="es-ES" dirty="0" smtClean="0"/>
-              <a:t> </a:t>
-            </a:r>
-            <a:r>
-              <a:rPr lang="es-ES" dirty="0" err="1" smtClean="0"/>
-              <a:t>satellites</a:t>
-            </a:r>
-            <a:r>
-              <a:rPr lang="es-ES" dirty="0" smtClean="0"/>
-              <a:t> in case of </a:t>
-            </a:r>
-            <a:r>
-              <a:rPr lang="es-ES" dirty="0" err="1" smtClean="0"/>
-              <a:t>need</a:t>
-            </a:r>
-            <a:endParaRPr lang="es-ES" dirty="0" smtClean="0"/>
-          </a:p>
-          <a:p>
-            <a:r>
-              <a:rPr lang="es-ES" dirty="0" err="1" smtClean="0"/>
-              <a:t>Ground</a:t>
-            </a:r>
-            <a:r>
-              <a:rPr lang="es-ES" dirty="0" smtClean="0"/>
-              <a:t> </a:t>
-            </a:r>
-            <a:r>
-              <a:rPr lang="es-ES" dirty="0" err="1" smtClean="0"/>
-              <a:t>Station</a:t>
-            </a:r>
-            <a:endParaRPr lang="es-ES" dirty="0" smtClean="0"/>
-          </a:p>
-          <a:p>
-            <a:pPr lvl="1"/>
-            <a:r>
-              <a:rPr lang="es-ES" dirty="0" smtClean="0"/>
-              <a:t>More </a:t>
-            </a:r>
-            <a:r>
-              <a:rPr lang="es-ES" dirty="0" err="1" smtClean="0"/>
-              <a:t>than</a:t>
-            </a:r>
-            <a:r>
-              <a:rPr lang="es-ES" dirty="0" smtClean="0"/>
-              <a:t> </a:t>
-            </a:r>
-            <a:r>
-              <a:rPr lang="es-ES" dirty="0" err="1" smtClean="0"/>
-              <a:t>one</a:t>
-            </a:r>
-            <a:endParaRPr lang="es-ES" dirty="0" smtClean="0"/>
-          </a:p>
-          <a:p>
-            <a:pPr lvl="1"/>
-            <a:r>
-              <a:rPr lang="es-ES" dirty="0" err="1" smtClean="0"/>
-              <a:t>Located</a:t>
-            </a:r>
-            <a:r>
-              <a:rPr lang="es-ES" dirty="0" smtClean="0"/>
-              <a:t> </a:t>
-            </a:r>
-            <a:r>
-              <a:rPr lang="es-ES" dirty="0" err="1" smtClean="0"/>
-              <a:t>across</a:t>
-            </a:r>
-            <a:r>
-              <a:rPr lang="es-ES" dirty="0" smtClean="0"/>
-              <a:t> </a:t>
-            </a:r>
-            <a:r>
-              <a:rPr lang="es-ES" dirty="0" err="1" smtClean="0"/>
-              <a:t>the</a:t>
-            </a:r>
-            <a:r>
-              <a:rPr lang="es-ES" dirty="0" smtClean="0"/>
-              <a:t> </a:t>
-            </a:r>
-            <a:r>
-              <a:rPr lang="es-ES" dirty="0" err="1" smtClean="0"/>
-              <a:t>globe</a:t>
-            </a:r>
-            <a:endParaRPr lang="es-ES" dirty="0" smtClean="0"/>
-          </a:p>
-          <a:p>
-            <a:pPr lvl="1"/>
-            <a:r>
-              <a:rPr lang="es-ES" dirty="0" err="1" smtClean="0"/>
-              <a:t>Recieves</a:t>
-            </a:r>
-            <a:r>
-              <a:rPr lang="es-ES" dirty="0" smtClean="0"/>
-              <a:t> </a:t>
-            </a:r>
-            <a:r>
-              <a:rPr lang="es-ES" dirty="0" err="1" smtClean="0"/>
-              <a:t>the</a:t>
-            </a:r>
-            <a:r>
-              <a:rPr lang="es-ES" dirty="0" smtClean="0"/>
-              <a:t> data and </a:t>
-            </a:r>
-            <a:r>
-              <a:rPr lang="es-ES" dirty="0" err="1" smtClean="0"/>
-              <a:t>sends</a:t>
-            </a:r>
-            <a:r>
-              <a:rPr lang="es-ES" dirty="0" smtClean="0"/>
-              <a:t> </a:t>
-            </a:r>
-            <a:r>
-              <a:rPr lang="es-ES" dirty="0" err="1" smtClean="0"/>
-              <a:t>it</a:t>
-            </a:r>
-            <a:r>
-              <a:rPr lang="es-ES" dirty="0" smtClean="0"/>
-              <a:t> </a:t>
-            </a:r>
-            <a:r>
-              <a:rPr lang="es-ES" dirty="0" err="1" smtClean="0"/>
-              <a:t>to</a:t>
-            </a:r>
-            <a:r>
-              <a:rPr lang="es-ES" dirty="0" smtClean="0"/>
-              <a:t> </a:t>
-            </a:r>
-            <a:r>
-              <a:rPr lang="es-ES" dirty="0" err="1" smtClean="0"/>
-              <a:t>the</a:t>
-            </a:r>
-            <a:r>
-              <a:rPr lang="es-ES" dirty="0" smtClean="0"/>
-              <a:t> </a:t>
-            </a:r>
-            <a:r>
-              <a:rPr lang="es-ES" dirty="0" err="1" smtClean="0"/>
-              <a:t>Mission</a:t>
-            </a:r>
-            <a:r>
-              <a:rPr lang="es-ES" dirty="0" smtClean="0"/>
-              <a:t> Control Centre</a:t>
-            </a:r>
-            <a:endParaRPr lang="es-ES" dirty="0"/>
-          </a:p>
-        </p:txBody>
-      </p:sp>
-      <p:sp>
-        <p:nvSpPr>
-          <p:cNvPr id="4" name="3 Marcador de fecha"/>
-          <p:cNvSpPr>
-            <a:spLocks noGrp="1"/>
-          </p:cNvSpPr>
-          <p:nvPr>
-            <p:ph type="dt" sz="half" idx="10"/>
-          </p:nvPr>
-        </p:nvSpPr>
-        <p:spPr/>
-        <p:txBody>
-          <a:bodyPr/>
-          <a:lstStyle/>
-          <a:p>
             <a:fld id="{9930DE88-2B74-4092-9DF7-6E47B12E30D8}" type="datetime1">
               <a:rPr lang="es-ES_tradnl" smtClean="0"/>
-              <a:t>30/11/2016</a:t>
+              <a:t>01/12/2016</a:t>
             </a:fld>
             <a:endParaRPr lang="es-ES_tradnl"/>
           </a:p>
@@ -13388,11 +13507,7 @@
             </a:fld>
             <a:r>
               <a:rPr lang="es-ES_tradnl" dirty="0" smtClean="0"/>
-              <a:t> of </a:t>
-            </a:r>
-            <a:r>
-              <a:rPr lang="es-ES_tradnl" dirty="0" smtClean="0"/>
-              <a:t>16</a:t>
+              <a:t> of 16</a:t>
             </a:r>
             <a:endParaRPr lang="es-ES_tradnl" dirty="0"/>
           </a:p>
@@ -14255,7 +14370,7 @@
           <a:p>
             <a:fld id="{9930DE88-2B74-4092-9DF7-6E47B12E30D8}" type="datetime1">
               <a:rPr lang="es-ES_tradnl" smtClean="0"/>
-              <a:t>30/11/2016</a:t>
+              <a:t>01/12/2016</a:t>
             </a:fld>
             <a:endParaRPr lang="es-ES_tradnl"/>
           </a:p>
@@ -14498,7 +14613,7 @@
           <a:p>
             <a:fld id="{9930DE88-2B74-4092-9DF7-6E47B12E30D8}" type="datetime1">
               <a:rPr lang="es-ES_tradnl" smtClean="0"/>
-              <a:t>30/11/2016</a:t>
+              <a:t>01/12/2016</a:t>
             </a:fld>
             <a:endParaRPr lang="es-ES_tradnl"/>
           </a:p>
